--- a/img/theory/Basic definitions.pptx
+++ b/img/theory/Basic definitions.pptx
@@ -254,7 +254,7 @@
           <a:p>
             <a:fld id="{D832F60C-3915-4464-A6FE-A327C68EF187}" type="datetimeFigureOut">
               <a:rPr lang="de-DE" smtClean="0"/>
-              <a:t>03.07.2021</a:t>
+              <a:t>24.08.2022</a:t>
             </a:fld>
             <a:endParaRPr lang="de-DE"/>
           </a:p>
@@ -424,7 +424,7 @@
           <a:p>
             <a:fld id="{D832F60C-3915-4464-A6FE-A327C68EF187}" type="datetimeFigureOut">
               <a:rPr lang="de-DE" smtClean="0"/>
-              <a:t>03.07.2021</a:t>
+              <a:t>24.08.2022</a:t>
             </a:fld>
             <a:endParaRPr lang="de-DE"/>
           </a:p>
@@ -604,7 +604,7 @@
           <a:p>
             <a:fld id="{D832F60C-3915-4464-A6FE-A327C68EF187}" type="datetimeFigureOut">
               <a:rPr lang="de-DE" smtClean="0"/>
-              <a:t>03.07.2021</a:t>
+              <a:t>24.08.2022</a:t>
             </a:fld>
             <a:endParaRPr lang="de-DE"/>
           </a:p>
@@ -774,7 +774,7 @@
           <a:p>
             <a:fld id="{D832F60C-3915-4464-A6FE-A327C68EF187}" type="datetimeFigureOut">
               <a:rPr lang="de-DE" smtClean="0"/>
-              <a:t>03.07.2021</a:t>
+              <a:t>24.08.2022</a:t>
             </a:fld>
             <a:endParaRPr lang="de-DE"/>
           </a:p>
@@ -1018,7 +1018,7 @@
           <a:p>
             <a:fld id="{D832F60C-3915-4464-A6FE-A327C68EF187}" type="datetimeFigureOut">
               <a:rPr lang="de-DE" smtClean="0"/>
-              <a:t>03.07.2021</a:t>
+              <a:t>24.08.2022</a:t>
             </a:fld>
             <a:endParaRPr lang="de-DE"/>
           </a:p>
@@ -1250,7 +1250,7 @@
           <a:p>
             <a:fld id="{D832F60C-3915-4464-A6FE-A327C68EF187}" type="datetimeFigureOut">
               <a:rPr lang="de-DE" smtClean="0"/>
-              <a:t>03.07.2021</a:t>
+              <a:t>24.08.2022</a:t>
             </a:fld>
             <a:endParaRPr lang="de-DE"/>
           </a:p>
@@ -1617,7 +1617,7 @@
           <a:p>
             <a:fld id="{D832F60C-3915-4464-A6FE-A327C68EF187}" type="datetimeFigureOut">
               <a:rPr lang="de-DE" smtClean="0"/>
-              <a:t>03.07.2021</a:t>
+              <a:t>24.08.2022</a:t>
             </a:fld>
             <a:endParaRPr lang="de-DE"/>
           </a:p>
@@ -1735,7 +1735,7 @@
           <a:p>
             <a:fld id="{D832F60C-3915-4464-A6FE-A327C68EF187}" type="datetimeFigureOut">
               <a:rPr lang="de-DE" smtClean="0"/>
-              <a:t>03.07.2021</a:t>
+              <a:t>24.08.2022</a:t>
             </a:fld>
             <a:endParaRPr lang="de-DE"/>
           </a:p>
@@ -1830,7 +1830,7 @@
           <a:p>
             <a:fld id="{D832F60C-3915-4464-A6FE-A327C68EF187}" type="datetimeFigureOut">
               <a:rPr lang="de-DE" smtClean="0"/>
-              <a:t>03.07.2021</a:t>
+              <a:t>24.08.2022</a:t>
             </a:fld>
             <a:endParaRPr lang="de-DE"/>
           </a:p>
@@ -2107,7 +2107,7 @@
           <a:p>
             <a:fld id="{D832F60C-3915-4464-A6FE-A327C68EF187}" type="datetimeFigureOut">
               <a:rPr lang="de-DE" smtClean="0"/>
-              <a:t>03.07.2021</a:t>
+              <a:t>24.08.2022</a:t>
             </a:fld>
             <a:endParaRPr lang="de-DE"/>
           </a:p>
@@ -2364,7 +2364,7 @@
           <a:p>
             <a:fld id="{D832F60C-3915-4464-A6FE-A327C68EF187}" type="datetimeFigureOut">
               <a:rPr lang="de-DE" smtClean="0"/>
-              <a:t>03.07.2021</a:t>
+              <a:t>24.08.2022</a:t>
             </a:fld>
             <a:endParaRPr lang="de-DE"/>
           </a:p>
@@ -2577,7 +2577,7 @@
           <a:p>
             <a:fld id="{D832F60C-3915-4464-A6FE-A327C68EF187}" type="datetimeFigureOut">
               <a:rPr lang="de-DE" smtClean="0"/>
-              <a:t>03.07.2021</a:t>
+              <a:t>24.08.2022</a:t>
             </a:fld>
             <a:endParaRPr lang="de-DE"/>
           </a:p>
@@ -3042,36 +3042,6 @@
           </a:prstGeom>
         </p:spPr>
       </p:pic>
-      <p:pic>
-        <p:nvPicPr>
-          <p:cNvPr id="14" name="Grafik 13">
-            <a:extLst>
-              <a:ext uri="{FF2B5EF4-FFF2-40B4-BE49-F238E27FC236}">
-                <a16:creationId xmlns:a16="http://schemas.microsoft.com/office/drawing/2014/main" id="{0CCB4085-1C90-4383-8EBE-65D6D7B4D9DF}"/>
-              </a:ext>
-            </a:extLst>
-          </p:cNvPr>
-          <p:cNvPicPr>
-            <a:picLocks noChangeAspect="1"/>
-          </p:cNvPicPr>
-          <p:nvPr/>
-        </p:nvPicPr>
-        <p:blipFill>
-          <a:blip r:embed="rId4"/>
-          <a:stretch>
-            <a:fillRect/>
-          </a:stretch>
-        </p:blipFill>
-        <p:spPr>
-          <a:xfrm>
-            <a:off x="736002" y="11154798"/>
-            <a:ext cx="7187807" cy="3523793"/>
-          </a:xfrm>
-          <a:prstGeom prst="rect">
-            <a:avLst/>
-          </a:prstGeom>
-        </p:spPr>
-      </p:pic>
     </p:spTree>
     <p:extLst>
       <p:ext uri="{BB962C8B-B14F-4D97-AF65-F5344CB8AC3E}">
